--- a/images/protocol/画像編集用/画像編集用_imai_1.0_編集可能.pptx
+++ b/images/protocol/画像編集用/画像編集用_imai_1.0_編集可能.pptx
@@ -6,6 +6,9 @@
   </p:sldMasterIdLst>
   <p:sldIdLst>
     <p:sldId id="256" r:id="rId2"/>
+    <p:sldId id="257" r:id="rId3"/>
+    <p:sldId id="258" r:id="rId4"/>
+    <p:sldId id="259" r:id="rId5"/>
   </p:sldIdLst>
   <p:sldSz cx="9144000" cy="6858000" type="screen4x3"/>
   <p:notesSz cx="6858000" cy="9144000"/>
@@ -288,7 +291,7 @@
           <a:p>
             <a:fld id="{6A1DAC31-4671-40D4-94D8-D516389A16DA}" type="datetimeFigureOut">
               <a:rPr kumimoji="1" lang="ja-JP" altLang="en-US" smtClean="0"/>
-              <a:t>2014/10/17</a:t>
+              <a:t>2014/10/25</a:t>
             </a:fld>
             <a:endParaRPr kumimoji="1" lang="ja-JP" altLang="en-US"/>
           </a:p>
@@ -490,7 +493,7 @@
           <a:p>
             <a:fld id="{6A1DAC31-4671-40D4-94D8-D516389A16DA}" type="datetimeFigureOut">
               <a:rPr kumimoji="1" lang="ja-JP" altLang="en-US" smtClean="0"/>
-              <a:t>2014/10/17</a:t>
+              <a:t>2014/10/25</a:t>
             </a:fld>
             <a:endParaRPr kumimoji="1" lang="ja-JP" altLang="en-US"/>
           </a:p>
@@ -702,7 +705,7 @@
           <a:p>
             <a:fld id="{6A1DAC31-4671-40D4-94D8-D516389A16DA}" type="datetimeFigureOut">
               <a:rPr kumimoji="1" lang="ja-JP" altLang="en-US" smtClean="0"/>
-              <a:t>2014/10/17</a:t>
+              <a:t>2014/10/25</a:t>
             </a:fld>
             <a:endParaRPr kumimoji="1" lang="ja-JP" altLang="en-US"/>
           </a:p>
@@ -904,7 +907,7 @@
           <a:p>
             <a:fld id="{6A1DAC31-4671-40D4-94D8-D516389A16DA}" type="datetimeFigureOut">
               <a:rPr kumimoji="1" lang="ja-JP" altLang="en-US" smtClean="0"/>
-              <a:t>2014/10/17</a:t>
+              <a:t>2014/10/25</a:t>
             </a:fld>
             <a:endParaRPr kumimoji="1" lang="ja-JP" altLang="en-US"/>
           </a:p>
@@ -1150,7 +1153,7 @@
           <a:p>
             <a:fld id="{6A1DAC31-4671-40D4-94D8-D516389A16DA}" type="datetimeFigureOut">
               <a:rPr kumimoji="1" lang="ja-JP" altLang="en-US" smtClean="0"/>
-              <a:t>2014/10/17</a:t>
+              <a:t>2014/10/25</a:t>
             </a:fld>
             <a:endParaRPr kumimoji="1" lang="ja-JP" altLang="en-US"/>
           </a:p>
@@ -1502,7 +1505,7 @@
           <a:p>
             <a:fld id="{6A1DAC31-4671-40D4-94D8-D516389A16DA}" type="datetimeFigureOut">
               <a:rPr kumimoji="1" lang="ja-JP" altLang="en-US" smtClean="0"/>
-              <a:t>2014/10/17</a:t>
+              <a:t>2014/10/25</a:t>
             </a:fld>
             <a:endParaRPr kumimoji="1" lang="ja-JP" altLang="en-US"/>
           </a:p>
@@ -1988,7 +1991,7 @@
           <a:p>
             <a:fld id="{6A1DAC31-4671-40D4-94D8-D516389A16DA}" type="datetimeFigureOut">
               <a:rPr kumimoji="1" lang="ja-JP" altLang="en-US" smtClean="0"/>
-              <a:t>2014/10/17</a:t>
+              <a:t>2014/10/25</a:t>
             </a:fld>
             <a:endParaRPr kumimoji="1" lang="ja-JP" altLang="en-US"/>
           </a:p>
@@ -2106,7 +2109,7 @@
           <a:p>
             <a:fld id="{6A1DAC31-4671-40D4-94D8-D516389A16DA}" type="datetimeFigureOut">
               <a:rPr kumimoji="1" lang="ja-JP" altLang="en-US" smtClean="0"/>
-              <a:t>2014/10/17</a:t>
+              <a:t>2014/10/25</a:t>
             </a:fld>
             <a:endParaRPr kumimoji="1" lang="ja-JP" altLang="en-US"/>
           </a:p>
@@ -2201,7 +2204,7 @@
           <a:p>
             <a:fld id="{6A1DAC31-4671-40D4-94D8-D516389A16DA}" type="datetimeFigureOut">
               <a:rPr kumimoji="1" lang="ja-JP" altLang="en-US" smtClean="0"/>
-              <a:t>2014/10/17</a:t>
+              <a:t>2014/10/25</a:t>
             </a:fld>
             <a:endParaRPr kumimoji="1" lang="ja-JP" altLang="en-US"/>
           </a:p>
@@ -2510,7 +2513,7 @@
           <a:p>
             <a:fld id="{6A1DAC31-4671-40D4-94D8-D516389A16DA}" type="datetimeFigureOut">
               <a:rPr kumimoji="1" lang="ja-JP" altLang="en-US" smtClean="0"/>
-              <a:t>2014/10/17</a:t>
+              <a:t>2014/10/25</a:t>
             </a:fld>
             <a:endParaRPr kumimoji="1" lang="ja-JP" altLang="en-US"/>
           </a:p>
@@ -2763,7 +2766,7 @@
           <a:p>
             <a:fld id="{6A1DAC31-4671-40D4-94D8-D516389A16DA}" type="datetimeFigureOut">
               <a:rPr kumimoji="1" lang="ja-JP" altLang="en-US" smtClean="0"/>
-              <a:t>2014/10/17</a:t>
+              <a:t>2014/10/25</a:t>
             </a:fld>
             <a:endParaRPr kumimoji="1" lang="ja-JP" altLang="en-US"/>
           </a:p>
@@ -3008,7 +3011,7 @@
           <a:p>
             <a:fld id="{6A1DAC31-4671-40D4-94D8-D516389A16DA}" type="datetimeFigureOut">
               <a:rPr kumimoji="1" lang="ja-JP" altLang="en-US" smtClean="0"/>
-              <a:t>2014/10/17</a:t>
+              <a:t>2014/10/25</a:t>
             </a:fld>
             <a:endParaRPr kumimoji="1" lang="ja-JP" altLang="en-US"/>
           </a:p>
@@ -3499,6 +3502,228 @@
 </p:sld>
 </file>
 
+<file path=ppt/slides/slide2.xml><?xml version="1.0" encoding="utf-8"?>
+<p:sld xmlns:a="http://schemas.openxmlformats.org/drawingml/2006/main" xmlns:r="http://schemas.openxmlformats.org/officeDocument/2006/relationships" xmlns:p="http://schemas.openxmlformats.org/presentationml/2006/main">
+  <p:cSld>
+    <p:spTree>
+      <p:nvGrpSpPr>
+        <p:cNvPr id="1" name=""/>
+        <p:cNvGrpSpPr/>
+        <p:nvPr/>
+      </p:nvGrpSpPr>
+      <p:grpSpPr>
+        <a:xfrm>
+          <a:off x="0" y="0"/>
+          <a:ext cx="0" cy="0"/>
+          <a:chOff x="0" y="0"/>
+          <a:chExt cx="0" cy="0"/>
+        </a:xfrm>
+      </p:grpSpPr>
+      <p:grpSp>
+        <p:nvGrpSpPr>
+          <p:cNvPr id="3" name="グループ化 2"/>
+          <p:cNvGrpSpPr/>
+          <p:nvPr/>
+        </p:nvGrpSpPr>
+        <p:grpSpPr>
+          <a:xfrm>
+            <a:off x="462069" y="4869160"/>
+            <a:ext cx="7639747" cy="1586596"/>
+            <a:chOff x="462069" y="4509120"/>
+            <a:chExt cx="7639747" cy="1586596"/>
+          </a:xfrm>
+        </p:grpSpPr>
+        <p:pic>
+          <p:nvPicPr>
+            <p:cNvPr id="1026" name="Picture 2" descr="C:\Users\俊輔\Google ドライブ\BIOMOD2014\本大会\Wiki\teamsendai2014.github.io\images\protocol\design-principle01.png"/>
+            <p:cNvPicPr>
+              <a:picLocks noChangeAspect="1" noChangeArrowheads="1"/>
+            </p:cNvPicPr>
+            <p:nvPr/>
+          </p:nvPicPr>
+          <p:blipFill rotWithShape="1">
+            <a:blip r:embed="rId2">
+              <a:extLst>
+                <a:ext uri="{28A0092B-C50C-407E-A947-70E740481C1C}">
+                  <a14:useLocalDpi xmlns:a14="http://schemas.microsoft.com/office/drawing/2010/main" val="0"/>
+                </a:ext>
+              </a:extLst>
+            </a:blip>
+            <a:srcRect l="9043" t="30334" r="10838" b="46692"/>
+            <a:stretch/>
+          </p:blipFill>
+          <p:spPr bwMode="auto">
+            <a:xfrm>
+              <a:off x="462069" y="4514627"/>
+              <a:ext cx="3882685" cy="1575582"/>
+            </a:xfrm>
+            <a:prstGeom prst="rect">
+              <a:avLst/>
+            </a:prstGeom>
+            <a:noFill/>
+            <a:extLst>
+              <a:ext uri="{909E8E84-426E-40DD-AFC4-6F175D3DCCD1}">
+                <a14:hiddenFill xmlns:a14="http://schemas.microsoft.com/office/drawing/2010/main">
+                  <a:solidFill>
+                    <a:srgbClr val="FFFFFF"/>
+                  </a:solidFill>
+                </a14:hiddenFill>
+              </a:ext>
+            </a:extLst>
+          </p:spPr>
+        </p:pic>
+        <p:pic>
+          <p:nvPicPr>
+            <p:cNvPr id="1027" name="Picture 3" descr="C:\Users\俊輔\Google ドライブ\BIOMOD2014\本大会\Wiki\teamsendai2014.github.io\images\protocol\design-principle02.png"/>
+            <p:cNvPicPr>
+              <a:picLocks noChangeAspect="1" noChangeArrowheads="1"/>
+            </p:cNvPicPr>
+            <p:nvPr/>
+          </p:nvPicPr>
+          <p:blipFill rotWithShape="1">
+            <a:blip r:embed="rId3">
+              <a:extLst>
+                <a:ext uri="{28A0092B-C50C-407E-A947-70E740481C1C}">
+                  <a14:useLocalDpi xmlns:a14="http://schemas.microsoft.com/office/drawing/2010/main" val="0"/>
+                </a:ext>
+              </a:extLst>
+            </a:blip>
+            <a:srcRect l="16103" t="18506" r="6604" b="58359"/>
+            <a:stretch/>
+          </p:blipFill>
+          <p:spPr bwMode="auto">
+            <a:xfrm>
+              <a:off x="4355976" y="4509120"/>
+              <a:ext cx="3745840" cy="1586596"/>
+            </a:xfrm>
+            <a:prstGeom prst="rect">
+              <a:avLst/>
+            </a:prstGeom>
+            <a:noFill/>
+            <a:extLst>
+              <a:ext uri="{909E8E84-426E-40DD-AFC4-6F175D3DCCD1}">
+                <a14:hiddenFill xmlns:a14="http://schemas.microsoft.com/office/drawing/2010/main">
+                  <a:solidFill>
+                    <a:srgbClr val="FFFFFF"/>
+                  </a:solidFill>
+                </a14:hiddenFill>
+              </a:ext>
+            </a:extLst>
+          </p:spPr>
+        </p:pic>
+      </p:grpSp>
+      <p:pic>
+        <p:nvPicPr>
+          <p:cNvPr id="1028" name="Picture 4" descr="C:\Users\俊輔\Google ドライブ\BIOMOD2014\本大会\Wiki\teamsendai2014.github.io\images\protocol\design-principle03.png"/>
+          <p:cNvPicPr>
+            <a:picLocks noChangeAspect="1" noChangeArrowheads="1"/>
+          </p:cNvPicPr>
+          <p:nvPr/>
+        </p:nvPicPr>
+        <p:blipFill rotWithShape="1">
+          <a:blip r:embed="rId4">
+            <a:extLst>
+              <a:ext uri="{28A0092B-C50C-407E-A947-70E740481C1C}">
+                <a14:useLocalDpi xmlns:a14="http://schemas.microsoft.com/office/drawing/2010/main" val="0"/>
+              </a:ext>
+            </a:extLst>
+          </a:blip>
+          <a:srcRect l="4707" t="22543" r="18078" b="37252"/>
+          <a:stretch/>
+        </p:blipFill>
+        <p:spPr bwMode="auto">
+          <a:xfrm>
+            <a:off x="4067944" y="1731428"/>
+            <a:ext cx="3742008" cy="2757268"/>
+          </a:xfrm>
+          <a:prstGeom prst="rect">
+            <a:avLst/>
+          </a:prstGeom>
+          <a:noFill/>
+          <a:extLst>
+            <a:ext uri="{909E8E84-426E-40DD-AFC4-6F175D3DCCD1}">
+              <a14:hiddenFill xmlns:a14="http://schemas.microsoft.com/office/drawing/2010/main">
+                <a:solidFill>
+                  <a:srgbClr val="FFFFFF"/>
+                </a:solidFill>
+              </a14:hiddenFill>
+            </a:ext>
+          </a:extLst>
+        </p:spPr>
+      </p:pic>
+    </p:spTree>
+    <p:extLst>
+      <p:ext uri="{BB962C8B-B14F-4D97-AF65-F5344CB8AC3E}">
+        <p14:creationId xmlns:p14="http://schemas.microsoft.com/office/powerpoint/2010/main" val="1386561039"/>
+      </p:ext>
+    </p:extLst>
+  </p:cSld>
+  <p:clrMapOvr>
+    <a:masterClrMapping/>
+  </p:clrMapOvr>
+</p:sld>
+</file>
+
+<file path=ppt/slides/slide3.xml><?xml version="1.0" encoding="utf-8"?>
+<p:sld xmlns:a="http://schemas.openxmlformats.org/drawingml/2006/main" xmlns:r="http://schemas.openxmlformats.org/officeDocument/2006/relationships" xmlns:p="http://schemas.openxmlformats.org/presentationml/2006/main">
+  <p:cSld>
+    <p:spTree>
+      <p:nvGrpSpPr>
+        <p:cNvPr id="1" name=""/>
+        <p:cNvGrpSpPr/>
+        <p:nvPr/>
+      </p:nvGrpSpPr>
+      <p:grpSpPr>
+        <a:xfrm>
+          <a:off x="0" y="0"/>
+          <a:ext cx="0" cy="0"/>
+          <a:chOff x="0" y="0"/>
+          <a:chExt cx="0" cy="0"/>
+        </a:xfrm>
+      </p:grpSpPr>
+    </p:spTree>
+    <p:extLst>
+      <p:ext uri="{BB962C8B-B14F-4D97-AF65-F5344CB8AC3E}">
+        <p14:creationId xmlns:p14="http://schemas.microsoft.com/office/powerpoint/2010/main" val="2917614622"/>
+      </p:ext>
+    </p:extLst>
+  </p:cSld>
+  <p:clrMapOvr>
+    <a:masterClrMapping/>
+  </p:clrMapOvr>
+</p:sld>
+</file>
+
+<file path=ppt/slides/slide4.xml><?xml version="1.0" encoding="utf-8"?>
+<p:sld xmlns:a="http://schemas.openxmlformats.org/drawingml/2006/main" xmlns:r="http://schemas.openxmlformats.org/officeDocument/2006/relationships" xmlns:p="http://schemas.openxmlformats.org/presentationml/2006/main">
+  <p:cSld>
+    <p:spTree>
+      <p:nvGrpSpPr>
+        <p:cNvPr id="1" name=""/>
+        <p:cNvGrpSpPr/>
+        <p:nvPr/>
+      </p:nvGrpSpPr>
+      <p:grpSpPr>
+        <a:xfrm>
+          <a:off x="0" y="0"/>
+          <a:ext cx="0" cy="0"/>
+          <a:chOff x="0" y="0"/>
+          <a:chExt cx="0" cy="0"/>
+        </a:xfrm>
+      </p:grpSpPr>
+    </p:spTree>
+    <p:extLst>
+      <p:ext uri="{BB962C8B-B14F-4D97-AF65-F5344CB8AC3E}">
+        <p14:creationId xmlns:p14="http://schemas.microsoft.com/office/powerpoint/2010/main" val="2917614622"/>
+      </p:ext>
+    </p:extLst>
+  </p:cSld>
+  <p:clrMapOvr>
+    <a:masterClrMapping/>
+  </p:clrMapOvr>
+</p:sld>
+</file>
+
 <file path=ppt/theme/theme1.xml><?xml version="1.0" encoding="utf-8"?>
 <a:theme xmlns:a="http://schemas.openxmlformats.org/drawingml/2006/main" name="Office ​​テーマ">
   <a:themeElements>

--- a/images/protocol/画像編集用/画像編集用_imai_1.0_編集可能.pptx
+++ b/images/protocol/画像編集用/画像編集用_imai_1.0_編集可能.pptx
@@ -291,7 +291,7 @@
           <a:p>
             <a:fld id="{6A1DAC31-4671-40D4-94D8-D516389A16DA}" type="datetimeFigureOut">
               <a:rPr kumimoji="1" lang="ja-JP" altLang="en-US" smtClean="0"/>
-              <a:t>2014/10/25</a:t>
+              <a:t>2014/10/26</a:t>
             </a:fld>
             <a:endParaRPr kumimoji="1" lang="ja-JP" altLang="en-US"/>
           </a:p>
@@ -493,7 +493,7 @@
           <a:p>
             <a:fld id="{6A1DAC31-4671-40D4-94D8-D516389A16DA}" type="datetimeFigureOut">
               <a:rPr kumimoji="1" lang="ja-JP" altLang="en-US" smtClean="0"/>
-              <a:t>2014/10/25</a:t>
+              <a:t>2014/10/26</a:t>
             </a:fld>
             <a:endParaRPr kumimoji="1" lang="ja-JP" altLang="en-US"/>
           </a:p>
@@ -705,7 +705,7 @@
           <a:p>
             <a:fld id="{6A1DAC31-4671-40D4-94D8-D516389A16DA}" type="datetimeFigureOut">
               <a:rPr kumimoji="1" lang="ja-JP" altLang="en-US" smtClean="0"/>
-              <a:t>2014/10/25</a:t>
+              <a:t>2014/10/26</a:t>
             </a:fld>
             <a:endParaRPr kumimoji="1" lang="ja-JP" altLang="en-US"/>
           </a:p>
@@ -907,7 +907,7 @@
           <a:p>
             <a:fld id="{6A1DAC31-4671-40D4-94D8-D516389A16DA}" type="datetimeFigureOut">
               <a:rPr kumimoji="1" lang="ja-JP" altLang="en-US" smtClean="0"/>
-              <a:t>2014/10/25</a:t>
+              <a:t>2014/10/26</a:t>
             </a:fld>
             <a:endParaRPr kumimoji="1" lang="ja-JP" altLang="en-US"/>
           </a:p>
@@ -1153,7 +1153,7 @@
           <a:p>
             <a:fld id="{6A1DAC31-4671-40D4-94D8-D516389A16DA}" type="datetimeFigureOut">
               <a:rPr kumimoji="1" lang="ja-JP" altLang="en-US" smtClean="0"/>
-              <a:t>2014/10/25</a:t>
+              <a:t>2014/10/26</a:t>
             </a:fld>
             <a:endParaRPr kumimoji="1" lang="ja-JP" altLang="en-US"/>
           </a:p>
@@ -1505,7 +1505,7 @@
           <a:p>
             <a:fld id="{6A1DAC31-4671-40D4-94D8-D516389A16DA}" type="datetimeFigureOut">
               <a:rPr kumimoji="1" lang="ja-JP" altLang="en-US" smtClean="0"/>
-              <a:t>2014/10/25</a:t>
+              <a:t>2014/10/26</a:t>
             </a:fld>
             <a:endParaRPr kumimoji="1" lang="ja-JP" altLang="en-US"/>
           </a:p>
@@ -1991,7 +1991,7 @@
           <a:p>
             <a:fld id="{6A1DAC31-4671-40D4-94D8-D516389A16DA}" type="datetimeFigureOut">
               <a:rPr kumimoji="1" lang="ja-JP" altLang="en-US" smtClean="0"/>
-              <a:t>2014/10/25</a:t>
+              <a:t>2014/10/26</a:t>
             </a:fld>
             <a:endParaRPr kumimoji="1" lang="ja-JP" altLang="en-US"/>
           </a:p>
@@ -2109,7 +2109,7 @@
           <a:p>
             <a:fld id="{6A1DAC31-4671-40D4-94D8-D516389A16DA}" type="datetimeFigureOut">
               <a:rPr kumimoji="1" lang="ja-JP" altLang="en-US" smtClean="0"/>
-              <a:t>2014/10/25</a:t>
+              <a:t>2014/10/26</a:t>
             </a:fld>
             <a:endParaRPr kumimoji="1" lang="ja-JP" altLang="en-US"/>
           </a:p>
@@ -2204,7 +2204,7 @@
           <a:p>
             <a:fld id="{6A1DAC31-4671-40D4-94D8-D516389A16DA}" type="datetimeFigureOut">
               <a:rPr kumimoji="1" lang="ja-JP" altLang="en-US" smtClean="0"/>
-              <a:t>2014/10/25</a:t>
+              <a:t>2014/10/26</a:t>
             </a:fld>
             <a:endParaRPr kumimoji="1" lang="ja-JP" altLang="en-US"/>
           </a:p>
@@ -2513,7 +2513,7 @@
           <a:p>
             <a:fld id="{6A1DAC31-4671-40D4-94D8-D516389A16DA}" type="datetimeFigureOut">
               <a:rPr kumimoji="1" lang="ja-JP" altLang="en-US" smtClean="0"/>
-              <a:t>2014/10/25</a:t>
+              <a:t>2014/10/26</a:t>
             </a:fld>
             <a:endParaRPr kumimoji="1" lang="ja-JP" altLang="en-US"/>
           </a:p>
@@ -2766,7 +2766,7 @@
           <a:p>
             <a:fld id="{6A1DAC31-4671-40D4-94D8-D516389A16DA}" type="datetimeFigureOut">
               <a:rPr kumimoji="1" lang="ja-JP" altLang="en-US" smtClean="0"/>
-              <a:t>2014/10/25</a:t>
+              <a:t>2014/10/26</a:t>
             </a:fld>
             <a:endParaRPr kumimoji="1" lang="ja-JP" altLang="en-US"/>
           </a:p>
@@ -3011,7 +3011,7 @@
           <a:p>
             <a:fld id="{6A1DAC31-4671-40D4-94D8-D516389A16DA}" type="datetimeFigureOut">
               <a:rPr kumimoji="1" lang="ja-JP" altLang="en-US" smtClean="0"/>
-              <a:t>2014/10/25</a:t>
+              <a:t>2014/10/26</a:t>
             </a:fld>
             <a:endParaRPr kumimoji="1" lang="ja-JP" altLang="en-US"/>
           </a:p>
@@ -3633,7 +3633,7 @@
         </p:blipFill>
         <p:spPr bwMode="auto">
           <a:xfrm>
-            <a:off x="4067944" y="1731428"/>
+            <a:off x="3275856" y="319472"/>
             <a:ext cx="3742008" cy="2757268"/>
           </a:xfrm>
           <a:prstGeom prst="rect">
